--- a/GradleBasics.pptx
+++ b/GradleBasics.pptx
@@ -234,6 +234,11 @@
       </a:defRPr>
     </a:lvl9pPr>
   </p:defaultTextStyle>
+  <p:extLst>
+    <p:ext uri="{EFAFB233-063F-42B5-8137-9DF3F51BA10A}">
+      <p15:sldGuideLst xmlns:p15="http://schemas.microsoft.com/office/powerpoint/2012/main"/>
+    </p:ext>
+  </p:extLst>
 </p:presentation>
 </file>
 
@@ -3845,7 +3850,19 @@
                 <a:cs typeface="Roboto"/>
                 <a:sym typeface="Roboto"/>
               </a:rPr>
-              <a:t> Basics</a:t>
+              <a:t> </a:t>
+            </a:r>
+            <a:r>
+              <a:rPr lang="en-US" sz="3600" b="0" dirty="0" smtClean="0">
+                <a:solidFill>
+                  <a:srgbClr val="000000"/>
+                </a:solidFill>
+                <a:latin typeface="Roboto"/>
+                <a:ea typeface="Roboto"/>
+                <a:cs typeface="Roboto"/>
+                <a:sym typeface="Roboto"/>
+              </a:rPr>
+              <a:t>for Android 101</a:t>
             </a:r>
             <a:endParaRPr lang="en-GB" sz="3600" b="0" dirty="0">
               <a:solidFill>
@@ -4507,7 +4524,6 @@
               <a:rPr lang="en-GB" dirty="0" smtClean="0"/>
               <a:t>Automatic signing</a:t>
             </a:r>
-            <a:endParaRPr lang="en-GB" dirty="0" smtClean="0"/>
           </a:p>
           <a:p>
             <a:pPr marL="457200" lvl="0" indent="-330200" rtl="0">
@@ -4528,7 +4544,6 @@
               <a:rPr lang="en-GB" dirty="0" smtClean="0"/>
               <a:t>Continuous integration - Jenkins</a:t>
             </a:r>
-            <a:endParaRPr lang="en-GB" dirty="0" smtClean="0"/>
           </a:p>
           <a:p>
             <a:pPr marL="457200" lvl="0" indent="-330200" rtl="0">
@@ -4557,7 +4572,6 @@
               <a:rPr lang="en-GB" dirty="0" smtClean="0"/>
               <a:t> Deploy</a:t>
             </a:r>
-            <a:endParaRPr lang="en-GB" dirty="0" smtClean="0"/>
           </a:p>
           <a:p>
             <a:pPr marL="127000" lvl="0" rtl="0">
@@ -8091,13 +8105,6 @@
               </a:rPr>
               <a:t>+</a:t>
             </a:r>
-            <a:endParaRPr lang="en-GB" dirty="0" smtClean="0">
-              <a:solidFill>
-                <a:srgbClr val="FF0000"/>
-              </a:solidFill>
-              <a:latin typeface="NSimSun" panose="02010609030101010101" pitchFamily="49" charset="-122"/>
-              <a:ea typeface="NSimSun" panose="02010609030101010101" pitchFamily="49" charset="-122"/>
-            </a:endParaRPr>
           </a:p>
           <a:p>
             <a:pPr marL="457200" lvl="0" indent="-330200" rtl="0">
